--- a/Slides/EF/5 - Model First.pptx
+++ b/Slides/EF/5 - Model First.pptx
@@ -8,16 +8,15 @@
     <p:sldId id="256" r:id="rId2"/>
     <p:sldId id="268" r:id="rId3"/>
     <p:sldId id="259" r:id="rId4"/>
-    <p:sldId id="260" r:id="rId5"/>
-    <p:sldId id="261" r:id="rId6"/>
-    <p:sldId id="262" r:id="rId7"/>
-    <p:sldId id="263" r:id="rId8"/>
-    <p:sldId id="264" r:id="rId9"/>
-    <p:sldId id="265" r:id="rId10"/>
-    <p:sldId id="266" r:id="rId11"/>
-    <p:sldId id="257" r:id="rId12"/>
-    <p:sldId id="267" r:id="rId13"/>
-    <p:sldId id="258" r:id="rId14"/>
+    <p:sldId id="261" r:id="rId5"/>
+    <p:sldId id="262" r:id="rId6"/>
+    <p:sldId id="263" r:id="rId7"/>
+    <p:sldId id="264" r:id="rId8"/>
+    <p:sldId id="265" r:id="rId9"/>
+    <p:sldId id="266" r:id="rId10"/>
+    <p:sldId id="257" r:id="rId11"/>
+    <p:sldId id="267" r:id="rId12"/>
+    <p:sldId id="258" r:id="rId13"/>
   </p:sldIdLst>
   <p:sldSz cx="9144000" cy="6858000" type="screen4x3"/>
   <p:notesSz cx="6858000" cy="9144000"/>
@@ -3080,7 +3079,7 @@
           <a:p>
             <a:r>
               <a:rPr lang="en-US" dirty="0" smtClean="0"/>
-              <a:t>When the model changes</a:t>
+              <a:t>Demo</a:t>
             </a:r>
             <a:endParaRPr lang="en-US" dirty="0"/>
           </a:p>
@@ -3101,44 +3100,14 @@
           <a:bodyPr/>
           <a:lstStyle/>
           <a:p>
-            <a:r>
-              <a:rPr lang="en-US" dirty="0" smtClean="0"/>
-              <a:t>Model first…. Everything is dropped</a:t>
-            </a:r>
-          </a:p>
-          <a:p>
-            <a:r>
-              <a:rPr lang="en-US" dirty="0" smtClean="0"/>
-              <a:t>Db changed, update model from </a:t>
-            </a:r>
-            <a:r>
-              <a:rPr lang="en-US" dirty="0" err="1" smtClean="0"/>
-              <a:t>db</a:t>
-            </a:r>
-            <a:endParaRPr lang="en-US" dirty="0" smtClean="0"/>
-          </a:p>
-          <a:p>
-            <a:pPr lvl="1"/>
-            <a:r>
-              <a:rPr lang="en-US" dirty="0" smtClean="0"/>
-              <a:t>Essential change to </a:t>
-            </a:r>
-            <a:r>
-              <a:rPr lang="en-US" dirty="0" err="1" smtClean="0"/>
-              <a:t>db</a:t>
-            </a:r>
-            <a:r>
-              <a:rPr lang="en-US" smtClean="0"/>
-              <a:t> first </a:t>
-            </a:r>
-            <a:endParaRPr lang="en-US" dirty="0"/>
+            <a:endParaRPr lang="en-US"/>
           </a:p>
         </p:txBody>
       </p:sp>
     </p:spTree>
     <p:extLst>
       <p:ext uri="{BB962C8B-B14F-4D97-AF65-F5344CB8AC3E}">
-        <p14:creationId xmlns:p14="http://schemas.microsoft.com/office/powerpoint/2010/main" val="3195297478"/>
+        <p14:creationId xmlns:p14="http://schemas.microsoft.com/office/powerpoint/2010/main" val="1874241560"/>
       </p:ext>
     </p:extLst>
   </p:cSld>
@@ -3182,78 +3151,6 @@
           <a:p>
             <a:r>
               <a:rPr lang="en-US" dirty="0" smtClean="0"/>
-              <a:t>Demo</a:t>
-            </a:r>
-            <a:endParaRPr lang="en-US" dirty="0"/>
-          </a:p>
-        </p:txBody>
-      </p:sp>
-      <p:sp>
-        <p:nvSpPr>
-          <p:cNvPr id="3" name="Content Placeholder 2"/>
-          <p:cNvSpPr>
-            <a:spLocks noGrp="1"/>
-          </p:cNvSpPr>
-          <p:nvPr>
-            <p:ph idx="1"/>
-          </p:nvPr>
-        </p:nvSpPr>
-        <p:spPr/>
-        <p:txBody>
-          <a:bodyPr/>
-          <a:lstStyle/>
-          <a:p>
-            <a:endParaRPr lang="en-US"/>
-          </a:p>
-        </p:txBody>
-      </p:sp>
-    </p:spTree>
-    <p:extLst>
-      <p:ext uri="{BB962C8B-B14F-4D97-AF65-F5344CB8AC3E}">
-        <p14:creationId xmlns:p14="http://schemas.microsoft.com/office/powerpoint/2010/main" val="1874241560"/>
-      </p:ext>
-    </p:extLst>
-  </p:cSld>
-  <p:clrMapOvr>
-    <a:masterClrMapping/>
-  </p:clrMapOvr>
-</p:sld>
-</file>
-
-<file path=ppt/slides/slide12.xml><?xml version="1.0" encoding="utf-8"?>
-<p:sld xmlns:a="http://schemas.openxmlformats.org/drawingml/2006/main" xmlns:r="http://schemas.openxmlformats.org/officeDocument/2006/relationships" xmlns:p="http://schemas.openxmlformats.org/presentationml/2006/main">
-  <p:cSld>
-    <p:spTree>
-      <p:nvGrpSpPr>
-        <p:cNvPr id="1" name=""/>
-        <p:cNvGrpSpPr/>
-        <p:nvPr/>
-      </p:nvGrpSpPr>
-      <p:grpSpPr>
-        <a:xfrm>
-          <a:off x="0" y="0"/>
-          <a:ext cx="0" cy="0"/>
-          <a:chOff x="0" y="0"/>
-          <a:chExt cx="0" cy="0"/>
-        </a:xfrm>
-      </p:grpSpPr>
-      <p:sp>
-        <p:nvSpPr>
-          <p:cNvPr id="2" name="Title 1"/>
-          <p:cNvSpPr>
-            <a:spLocks noGrp="1"/>
-          </p:cNvSpPr>
-          <p:nvPr>
-            <p:ph type="title"/>
-          </p:nvPr>
-        </p:nvSpPr>
-        <p:spPr/>
-        <p:txBody>
-          <a:bodyPr/>
-          <a:lstStyle/>
-          <a:p>
-            <a:r>
-              <a:rPr lang="en-US" dirty="0" smtClean="0"/>
               <a:t>Lab: Create a Simple Model</a:t>
             </a:r>
             <a:endParaRPr lang="en-US" dirty="0"/>
@@ -3292,7 +3189,7 @@
 </p:sld>
 </file>
 
-<file path=ppt/slides/slide13.xml><?xml version="1.0" encoding="utf-8"?>
+<file path=ppt/slides/slide12.xml><?xml version="1.0" encoding="utf-8"?>
 <p:sld xmlns:a="http://schemas.openxmlformats.org/drawingml/2006/main" xmlns:r="http://schemas.openxmlformats.org/officeDocument/2006/relationships" xmlns:p="http://schemas.openxmlformats.org/presentationml/2006/main">
   <p:cSld>
     <p:spTree>
@@ -3613,7 +3510,7 @@
           <a:p>
             <a:r>
               <a:rPr lang="en-US" dirty="0" smtClean="0"/>
-              <a:t>Facets</a:t>
+              <a:t>Default values</a:t>
             </a:r>
             <a:endParaRPr lang="en-US" dirty="0"/>
           </a:p>
@@ -3636,17 +3533,8 @@
           <a:p>
             <a:r>
               <a:rPr lang="en-US" dirty="0" smtClean="0"/>
-              <a:t>Data Layer Validation in EF course</a:t>
-            </a:r>
-          </a:p>
-          <a:p>
-            <a:r>
-              <a:rPr lang="en-US" dirty="0" smtClean="0"/>
-              <a:t>Facets give hints on how to model in a database</a:t>
-            </a:r>
-          </a:p>
-          <a:p>
-            <a:endParaRPr lang="en-US" dirty="0" smtClean="0"/>
+              <a:t>Create order and customer entities</a:t>
+            </a:r>
           </a:p>
           <a:p>
             <a:endParaRPr lang="en-US" dirty="0"/>
@@ -3656,7 +3544,7 @@
     </p:spTree>
     <p:extLst>
       <p:ext uri="{BB962C8B-B14F-4D97-AF65-F5344CB8AC3E}">
-        <p14:creationId xmlns:p14="http://schemas.microsoft.com/office/powerpoint/2010/main" val="1295574152"/>
+        <p14:creationId xmlns:p14="http://schemas.microsoft.com/office/powerpoint/2010/main" val="4251436738"/>
       </p:ext>
     </p:extLst>
   </p:cSld>
@@ -3700,7 +3588,7 @@
           <a:p>
             <a:r>
               <a:rPr lang="en-US" dirty="0" smtClean="0"/>
-              <a:t>Default values</a:t>
+              <a:t>Creating associations</a:t>
             </a:r>
             <a:endParaRPr lang="en-US" dirty="0"/>
           </a:p>
@@ -3723,8 +3611,23 @@
           <a:p>
             <a:r>
               <a:rPr lang="en-US" dirty="0" smtClean="0"/>
-              <a:t>Create order and customer entities</a:t>
-            </a:r>
+              <a:t>1:m</a:t>
+            </a:r>
+          </a:p>
+          <a:p>
+            <a:r>
+              <a:rPr lang="en-US" dirty="0" smtClean="0"/>
+              <a:t>Use toolbox or wizard</a:t>
+            </a:r>
+          </a:p>
+          <a:p>
+            <a:r>
+              <a:rPr lang="en-US" dirty="0" smtClean="0"/>
+              <a:t>Referential constraints</a:t>
+            </a:r>
+          </a:p>
+          <a:p>
+            <a:endParaRPr lang="en-US" dirty="0" smtClean="0"/>
           </a:p>
           <a:p>
             <a:endParaRPr lang="en-US" dirty="0"/>
@@ -3734,7 +3637,7 @@
     </p:spTree>
     <p:extLst>
       <p:ext uri="{BB962C8B-B14F-4D97-AF65-F5344CB8AC3E}">
-        <p14:creationId xmlns:p14="http://schemas.microsoft.com/office/powerpoint/2010/main" val="4251436738"/>
+        <p14:creationId xmlns:p14="http://schemas.microsoft.com/office/powerpoint/2010/main" val="3637728589"/>
       </p:ext>
     </p:extLst>
   </p:cSld>
@@ -3778,7 +3681,7 @@
           <a:p>
             <a:r>
               <a:rPr lang="en-US" dirty="0" smtClean="0"/>
-              <a:t>Creating associations</a:t>
+              <a:t>M:M</a:t>
             </a:r>
             <a:endParaRPr lang="en-US" dirty="0"/>
           </a:p>
@@ -3801,23 +3704,8 @@
           <a:p>
             <a:r>
               <a:rPr lang="en-US" dirty="0" smtClean="0"/>
-              <a:t>1:m</a:t>
-            </a:r>
-          </a:p>
-          <a:p>
-            <a:r>
-              <a:rPr lang="en-US" dirty="0" smtClean="0"/>
-              <a:t>Use toolbox or wizard</a:t>
-            </a:r>
-          </a:p>
-          <a:p>
-            <a:r>
-              <a:rPr lang="en-US" dirty="0" smtClean="0"/>
-              <a:t>Referential constraints</a:t>
-            </a:r>
-          </a:p>
-          <a:p>
-            <a:endParaRPr lang="en-US" dirty="0" smtClean="0"/>
+              <a:t>Creates a join table in the DB but not in the model</a:t>
+            </a:r>
           </a:p>
           <a:p>
             <a:endParaRPr lang="en-US" dirty="0"/>
@@ -3827,7 +3715,7 @@
     </p:spTree>
     <p:extLst>
       <p:ext uri="{BB962C8B-B14F-4D97-AF65-F5344CB8AC3E}">
-        <p14:creationId xmlns:p14="http://schemas.microsoft.com/office/powerpoint/2010/main" val="3637728589"/>
+        <p14:creationId xmlns:p14="http://schemas.microsoft.com/office/powerpoint/2010/main" val="4184549912"/>
       </p:ext>
     </p:extLst>
   </p:cSld>
@@ -3871,7 +3759,7 @@
           <a:p>
             <a:r>
               <a:rPr lang="en-US" dirty="0" smtClean="0"/>
-              <a:t>M:M</a:t>
+              <a:t>Entity Container Properties</a:t>
             </a:r>
             <a:endParaRPr lang="en-US" dirty="0"/>
           </a:p>
@@ -3894,7 +3782,13 @@
           <a:p>
             <a:r>
               <a:rPr lang="en-US" dirty="0" smtClean="0"/>
-              <a:t>Creates a join table in the DB but not in the model</a:t>
+              <a:t>Click on diagram background / properties</a:t>
+            </a:r>
+          </a:p>
+          <a:p>
+            <a:r>
+              <a:rPr lang="en-US" dirty="0" smtClean="0"/>
+              <a:t>Table per type is default strategy</a:t>
             </a:r>
           </a:p>
           <a:p>
@@ -3905,7 +3799,7 @@
     </p:spTree>
     <p:extLst>
       <p:ext uri="{BB962C8B-B14F-4D97-AF65-F5344CB8AC3E}">
-        <p14:creationId xmlns:p14="http://schemas.microsoft.com/office/powerpoint/2010/main" val="4184549912"/>
+        <p14:creationId xmlns:p14="http://schemas.microsoft.com/office/powerpoint/2010/main" val="1292295340"/>
       </p:ext>
     </p:extLst>
   </p:cSld>
@@ -3949,7 +3843,7 @@
           <a:p>
             <a:r>
               <a:rPr lang="en-US" dirty="0" smtClean="0"/>
-              <a:t>Entity Container Properties</a:t>
+              <a:t>Generating the database</a:t>
             </a:r>
             <a:endParaRPr lang="en-US" dirty="0"/>
           </a:p>
@@ -3972,13 +3866,46 @@
           <a:p>
             <a:r>
               <a:rPr lang="en-US" dirty="0" smtClean="0"/>
-              <a:t>Click on diagram background / properties</a:t>
+              <a:t>Validate the model</a:t>
             </a:r>
           </a:p>
           <a:p>
             <a:r>
               <a:rPr lang="en-US" dirty="0" smtClean="0"/>
-              <a:t>Table per type is default strategy</a:t>
+              <a:t>Generate database</a:t>
+            </a:r>
+          </a:p>
+          <a:p>
+            <a:pPr lvl="1"/>
+            <a:r>
+              <a:rPr lang="en-US" dirty="0" smtClean="0"/>
+              <a:t>Does not create DB</a:t>
+            </a:r>
+          </a:p>
+          <a:p>
+            <a:pPr lvl="1"/>
+            <a:r>
+              <a:rPr lang="en-US" dirty="0" smtClean="0"/>
+              <a:t>It creates the SQL to create the </a:t>
+            </a:r>
+            <a:r>
+              <a:rPr lang="en-US" dirty="0" err="1" smtClean="0"/>
+              <a:t>db</a:t>
+            </a:r>
+            <a:endParaRPr lang="en-US" dirty="0" smtClean="0"/>
+          </a:p>
+          <a:p>
+            <a:r>
+              <a:rPr lang="en-US" dirty="0" smtClean="0"/>
+              <a:t>Run the </a:t>
+            </a:r>
+            <a:r>
+              <a:rPr lang="en-US" dirty="0" err="1" smtClean="0"/>
+              <a:t>sql</a:t>
+            </a:r>
+            <a:r>
+              <a:rPr lang="en-US" dirty="0" smtClean="0"/>
+              <a:t> script</a:t>
             </a:r>
           </a:p>
           <a:p>
@@ -3989,7 +3916,7 @@
     </p:spTree>
     <p:extLst>
       <p:ext uri="{BB962C8B-B14F-4D97-AF65-F5344CB8AC3E}">
-        <p14:creationId xmlns:p14="http://schemas.microsoft.com/office/powerpoint/2010/main" val="1292295340"/>
+        <p14:creationId xmlns:p14="http://schemas.microsoft.com/office/powerpoint/2010/main" val="1108792010"/>
       </p:ext>
     </p:extLst>
   </p:cSld>
@@ -4033,7 +3960,7 @@
           <a:p>
             <a:r>
               <a:rPr lang="en-US" dirty="0" smtClean="0"/>
-              <a:t>Generating the database</a:t>
+              <a:t>When the model changes</a:t>
             </a:r>
             <a:endParaRPr lang="en-US" dirty="0"/>
           </a:p>
@@ -4056,27 +3983,13 @@
           <a:p>
             <a:r>
               <a:rPr lang="en-US" dirty="0" smtClean="0"/>
-              <a:t>Validate the model</a:t>
+              <a:t>Model first…. Everything is dropped</a:t>
             </a:r>
           </a:p>
           <a:p>
             <a:r>
               <a:rPr lang="en-US" dirty="0" smtClean="0"/>
-              <a:t>Generate database</a:t>
-            </a:r>
-          </a:p>
-          <a:p>
-            <a:pPr lvl="1"/>
-            <a:r>
-              <a:rPr lang="en-US" dirty="0" smtClean="0"/>
-              <a:t>Does not create DB</a:t>
-            </a:r>
-          </a:p>
-          <a:p>
-            <a:pPr lvl="1"/>
-            <a:r>
-              <a:rPr lang="en-US" dirty="0" smtClean="0"/>
-              <a:t>It creates the SQL to create the </a:t>
+              <a:t>Db changed, update model from </a:t>
             </a:r>
             <a:r>
               <a:rPr lang="en-US" dirty="0" err="1" smtClean="0"/>
@@ -4085,20 +3998,19 @@
             <a:endParaRPr lang="en-US" dirty="0" smtClean="0"/>
           </a:p>
           <a:p>
+            <a:pPr lvl="1"/>
             <a:r>
               <a:rPr lang="en-US" dirty="0" smtClean="0"/>
-              <a:t>Run the </a:t>
+              <a:t>Essential change to </a:t>
             </a:r>
             <a:r>
               <a:rPr lang="en-US" dirty="0" err="1" smtClean="0"/>
-              <a:t>sql</a:t>
-            </a:r>
-            <a:r>
-              <a:rPr lang="en-US" dirty="0" smtClean="0"/>
-              <a:t> script</a:t>
-            </a:r>
-          </a:p>
-          <a:p>
+              <a:t>db</a:t>
+            </a:r>
+            <a:r>
+              <a:rPr lang="en-US" smtClean="0"/>
+              <a:t> first </a:t>
+            </a:r>
             <a:endParaRPr lang="en-US" dirty="0"/>
           </a:p>
         </p:txBody>
@@ -4106,7 +4018,7 @@
     </p:spTree>
     <p:extLst>
       <p:ext uri="{BB962C8B-B14F-4D97-AF65-F5344CB8AC3E}">
-        <p14:creationId xmlns:p14="http://schemas.microsoft.com/office/powerpoint/2010/main" val="1108792010"/>
+        <p14:creationId xmlns:p14="http://schemas.microsoft.com/office/powerpoint/2010/main" val="3195297478"/>
       </p:ext>
     </p:extLst>
   </p:cSld>

--- a/Slides/EF/5 - Model First.pptx
+++ b/Slides/EF/5 - Model First.pptx
@@ -5,18 +5,19 @@
     <p:sldMasterId id="2147483660" r:id="rId1"/>
   </p:sldMasterIdLst>
   <p:sldIdLst>
-    <p:sldId id="256" r:id="rId2"/>
-    <p:sldId id="268" r:id="rId3"/>
+    <p:sldId id="268" r:id="rId2"/>
+    <p:sldId id="269" r:id="rId3"/>
     <p:sldId id="259" r:id="rId4"/>
-    <p:sldId id="261" r:id="rId5"/>
-    <p:sldId id="262" r:id="rId6"/>
-    <p:sldId id="263" r:id="rId7"/>
-    <p:sldId id="264" r:id="rId8"/>
-    <p:sldId id="265" r:id="rId9"/>
-    <p:sldId id="266" r:id="rId10"/>
-    <p:sldId id="257" r:id="rId11"/>
-    <p:sldId id="267" r:id="rId12"/>
-    <p:sldId id="258" r:id="rId13"/>
+    <p:sldId id="270" r:id="rId5"/>
+    <p:sldId id="277" r:id="rId6"/>
+    <p:sldId id="271" r:id="rId7"/>
+    <p:sldId id="272" r:id="rId8"/>
+    <p:sldId id="273" r:id="rId9"/>
+    <p:sldId id="274" r:id="rId10"/>
+    <p:sldId id="275" r:id="rId11"/>
+    <p:sldId id="265" r:id="rId12"/>
+    <p:sldId id="266" r:id="rId13"/>
+    <p:sldId id="258" r:id="rId14"/>
   </p:sldIdLst>
   <p:sldSz cx="9144000" cy="6858000" type="screen4x3"/>
   <p:notesSz cx="6858000" cy="9144000"/>
@@ -254,7 +255,7 @@
           <a:p>
             <a:fld id="{51647FD5-68CD-4470-B86E-1BC2872C8822}" type="datetimeFigureOut">
               <a:rPr lang="en-US" smtClean="0"/>
-              <a:t>2/1/2015</a:t>
+              <a:t>2/3/2015</a:t>
             </a:fld>
             <a:endParaRPr lang="en-US"/>
           </a:p>
@@ -424,7 +425,7 @@
           <a:p>
             <a:fld id="{51647FD5-68CD-4470-B86E-1BC2872C8822}" type="datetimeFigureOut">
               <a:rPr lang="en-US" smtClean="0"/>
-              <a:t>2/1/2015</a:t>
+              <a:t>2/3/2015</a:t>
             </a:fld>
             <a:endParaRPr lang="en-US"/>
           </a:p>
@@ -604,7 +605,7 @@
           <a:p>
             <a:fld id="{51647FD5-68CD-4470-B86E-1BC2872C8822}" type="datetimeFigureOut">
               <a:rPr lang="en-US" smtClean="0"/>
-              <a:t>2/1/2015</a:t>
+              <a:t>2/3/2015</a:t>
             </a:fld>
             <a:endParaRPr lang="en-US"/>
           </a:p>
@@ -774,7 +775,7 @@
           <a:p>
             <a:fld id="{51647FD5-68CD-4470-B86E-1BC2872C8822}" type="datetimeFigureOut">
               <a:rPr lang="en-US" smtClean="0"/>
-              <a:t>2/1/2015</a:t>
+              <a:t>2/3/2015</a:t>
             </a:fld>
             <a:endParaRPr lang="en-US"/>
           </a:p>
@@ -1018,7 +1019,7 @@
           <a:p>
             <a:fld id="{51647FD5-68CD-4470-B86E-1BC2872C8822}" type="datetimeFigureOut">
               <a:rPr lang="en-US" smtClean="0"/>
-              <a:t>2/1/2015</a:t>
+              <a:t>2/3/2015</a:t>
             </a:fld>
             <a:endParaRPr lang="en-US"/>
           </a:p>
@@ -1250,7 +1251,7 @@
           <a:p>
             <a:fld id="{51647FD5-68CD-4470-B86E-1BC2872C8822}" type="datetimeFigureOut">
               <a:rPr lang="en-US" smtClean="0"/>
-              <a:t>2/1/2015</a:t>
+              <a:t>2/3/2015</a:t>
             </a:fld>
             <a:endParaRPr lang="en-US"/>
           </a:p>
@@ -1617,7 +1618,7 @@
           <a:p>
             <a:fld id="{51647FD5-68CD-4470-B86E-1BC2872C8822}" type="datetimeFigureOut">
               <a:rPr lang="en-US" smtClean="0"/>
-              <a:t>2/1/2015</a:t>
+              <a:t>2/3/2015</a:t>
             </a:fld>
             <a:endParaRPr lang="en-US"/>
           </a:p>
@@ -1735,7 +1736,7 @@
           <a:p>
             <a:fld id="{51647FD5-68CD-4470-B86E-1BC2872C8822}" type="datetimeFigureOut">
               <a:rPr lang="en-US" smtClean="0"/>
-              <a:t>2/1/2015</a:t>
+              <a:t>2/3/2015</a:t>
             </a:fld>
             <a:endParaRPr lang="en-US"/>
           </a:p>
@@ -1830,7 +1831,7 @@
           <a:p>
             <a:fld id="{51647FD5-68CD-4470-B86E-1BC2872C8822}" type="datetimeFigureOut">
               <a:rPr lang="en-US" smtClean="0"/>
-              <a:t>2/1/2015</a:t>
+              <a:t>2/3/2015</a:t>
             </a:fld>
             <a:endParaRPr lang="en-US"/>
           </a:p>
@@ -2107,7 +2108,7 @@
           <a:p>
             <a:fld id="{51647FD5-68CD-4470-B86E-1BC2872C8822}" type="datetimeFigureOut">
               <a:rPr lang="en-US" smtClean="0"/>
-              <a:t>2/1/2015</a:t>
+              <a:t>2/3/2015</a:t>
             </a:fld>
             <a:endParaRPr lang="en-US"/>
           </a:p>
@@ -2364,7 +2365,7 @@
           <a:p>
             <a:fld id="{51647FD5-68CD-4470-B86E-1BC2872C8822}" type="datetimeFigureOut">
               <a:rPr lang="en-US" smtClean="0"/>
-              <a:t>2/1/2015</a:t>
+              <a:t>2/3/2015</a:t>
             </a:fld>
             <a:endParaRPr lang="en-US"/>
           </a:p>
@@ -2577,7 +2578,7 @@
           <a:p>
             <a:fld id="{51647FD5-68CD-4470-B86E-1BC2872C8822}" type="datetimeFigureOut">
               <a:rPr lang="en-US" smtClean="0"/>
-              <a:t>2/1/2015</a:t>
+              <a:t>2/3/2015</a:t>
             </a:fld>
             <a:endParaRPr lang="en-US"/>
           </a:p>
@@ -2999,302 +3000,6 @@
           <a:p>
             <a:r>
               <a:rPr lang="en-US" dirty="0" smtClean="0"/>
-              <a:t>3</a:t>
-            </a:r>
-            <a:r>
-              <a:rPr lang="en-US" smtClean="0"/>
-              <a:t> </a:t>
-            </a:r>
-            <a:r>
-              <a:rPr lang="en-US" dirty="0" smtClean="0"/>
-              <a:t>– EF Model First</a:t>
-            </a:r>
-            <a:endParaRPr lang="en-US" dirty="0"/>
-          </a:p>
-        </p:txBody>
-      </p:sp>
-      <p:sp>
-        <p:nvSpPr>
-          <p:cNvPr id="3" name="Subtitle 2"/>
-          <p:cNvSpPr>
-            <a:spLocks noGrp="1"/>
-          </p:cNvSpPr>
-          <p:nvPr>
-            <p:ph type="subTitle" idx="1"/>
-          </p:nvPr>
-        </p:nvSpPr>
-        <p:spPr/>
-        <p:txBody>
-          <a:bodyPr/>
-          <a:lstStyle/>
-          <a:p>
-            <a:endParaRPr lang="en-US"/>
-          </a:p>
-        </p:txBody>
-      </p:sp>
-    </p:spTree>
-    <p:extLst>
-      <p:ext uri="{BB962C8B-B14F-4D97-AF65-F5344CB8AC3E}">
-        <p14:creationId xmlns:p14="http://schemas.microsoft.com/office/powerpoint/2010/main" val="2301950144"/>
-      </p:ext>
-    </p:extLst>
-  </p:cSld>
-  <p:clrMapOvr>
-    <a:masterClrMapping/>
-  </p:clrMapOvr>
-</p:sld>
-</file>
-
-<file path=ppt/slides/slide10.xml><?xml version="1.0" encoding="utf-8"?>
-<p:sld xmlns:a="http://schemas.openxmlformats.org/drawingml/2006/main" xmlns:r="http://schemas.openxmlformats.org/officeDocument/2006/relationships" xmlns:p="http://schemas.openxmlformats.org/presentationml/2006/main">
-  <p:cSld>
-    <p:spTree>
-      <p:nvGrpSpPr>
-        <p:cNvPr id="1" name=""/>
-        <p:cNvGrpSpPr/>
-        <p:nvPr/>
-      </p:nvGrpSpPr>
-      <p:grpSpPr>
-        <a:xfrm>
-          <a:off x="0" y="0"/>
-          <a:ext cx="0" cy="0"/>
-          <a:chOff x="0" y="0"/>
-          <a:chExt cx="0" cy="0"/>
-        </a:xfrm>
-      </p:grpSpPr>
-      <p:sp>
-        <p:nvSpPr>
-          <p:cNvPr id="2" name="Title 1"/>
-          <p:cNvSpPr>
-            <a:spLocks noGrp="1"/>
-          </p:cNvSpPr>
-          <p:nvPr>
-            <p:ph type="title"/>
-          </p:nvPr>
-        </p:nvSpPr>
-        <p:spPr/>
-        <p:txBody>
-          <a:bodyPr/>
-          <a:lstStyle/>
-          <a:p>
-            <a:r>
-              <a:rPr lang="en-US" dirty="0" smtClean="0"/>
-              <a:t>Demo</a:t>
-            </a:r>
-            <a:endParaRPr lang="en-US" dirty="0"/>
-          </a:p>
-        </p:txBody>
-      </p:sp>
-      <p:sp>
-        <p:nvSpPr>
-          <p:cNvPr id="3" name="Content Placeholder 2"/>
-          <p:cNvSpPr>
-            <a:spLocks noGrp="1"/>
-          </p:cNvSpPr>
-          <p:nvPr>
-            <p:ph idx="1"/>
-          </p:nvPr>
-        </p:nvSpPr>
-        <p:spPr/>
-        <p:txBody>
-          <a:bodyPr/>
-          <a:lstStyle/>
-          <a:p>
-            <a:endParaRPr lang="en-US"/>
-          </a:p>
-        </p:txBody>
-      </p:sp>
-    </p:spTree>
-    <p:extLst>
-      <p:ext uri="{BB962C8B-B14F-4D97-AF65-F5344CB8AC3E}">
-        <p14:creationId xmlns:p14="http://schemas.microsoft.com/office/powerpoint/2010/main" val="1874241560"/>
-      </p:ext>
-    </p:extLst>
-  </p:cSld>
-  <p:clrMapOvr>
-    <a:masterClrMapping/>
-  </p:clrMapOvr>
-</p:sld>
-</file>
-
-<file path=ppt/slides/slide11.xml><?xml version="1.0" encoding="utf-8"?>
-<p:sld xmlns:a="http://schemas.openxmlformats.org/drawingml/2006/main" xmlns:r="http://schemas.openxmlformats.org/officeDocument/2006/relationships" xmlns:p="http://schemas.openxmlformats.org/presentationml/2006/main">
-  <p:cSld>
-    <p:spTree>
-      <p:nvGrpSpPr>
-        <p:cNvPr id="1" name=""/>
-        <p:cNvGrpSpPr/>
-        <p:nvPr/>
-      </p:nvGrpSpPr>
-      <p:grpSpPr>
-        <a:xfrm>
-          <a:off x="0" y="0"/>
-          <a:ext cx="0" cy="0"/>
-          <a:chOff x="0" y="0"/>
-          <a:chExt cx="0" cy="0"/>
-        </a:xfrm>
-      </p:grpSpPr>
-      <p:sp>
-        <p:nvSpPr>
-          <p:cNvPr id="2" name="Title 1"/>
-          <p:cNvSpPr>
-            <a:spLocks noGrp="1"/>
-          </p:cNvSpPr>
-          <p:nvPr>
-            <p:ph type="title"/>
-          </p:nvPr>
-        </p:nvSpPr>
-        <p:spPr/>
-        <p:txBody>
-          <a:bodyPr/>
-          <a:lstStyle/>
-          <a:p>
-            <a:r>
-              <a:rPr lang="en-US" dirty="0" smtClean="0"/>
-              <a:t>Lab: Create a Simple Model</a:t>
-            </a:r>
-            <a:endParaRPr lang="en-US" dirty="0"/>
-          </a:p>
-        </p:txBody>
-      </p:sp>
-      <p:sp>
-        <p:nvSpPr>
-          <p:cNvPr id="3" name="Content Placeholder 2"/>
-          <p:cNvSpPr>
-            <a:spLocks noGrp="1"/>
-          </p:cNvSpPr>
-          <p:nvPr>
-            <p:ph idx="1"/>
-          </p:nvPr>
-        </p:nvSpPr>
-        <p:spPr/>
-        <p:txBody>
-          <a:bodyPr/>
-          <a:lstStyle/>
-          <a:p>
-            <a:endParaRPr lang="en-US" dirty="0"/>
-          </a:p>
-        </p:txBody>
-      </p:sp>
-    </p:spTree>
-    <p:extLst>
-      <p:ext uri="{BB962C8B-B14F-4D97-AF65-F5344CB8AC3E}">
-        <p14:creationId xmlns:p14="http://schemas.microsoft.com/office/powerpoint/2010/main" val="1298283389"/>
-      </p:ext>
-    </p:extLst>
-  </p:cSld>
-  <p:clrMapOvr>
-    <a:masterClrMapping/>
-  </p:clrMapOvr>
-</p:sld>
-</file>
-
-<file path=ppt/slides/slide12.xml><?xml version="1.0" encoding="utf-8"?>
-<p:sld xmlns:a="http://schemas.openxmlformats.org/drawingml/2006/main" xmlns:r="http://schemas.openxmlformats.org/officeDocument/2006/relationships" xmlns:p="http://schemas.openxmlformats.org/presentationml/2006/main">
-  <p:cSld>
-    <p:spTree>
-      <p:nvGrpSpPr>
-        <p:cNvPr id="1" name=""/>
-        <p:cNvGrpSpPr/>
-        <p:nvPr/>
-      </p:nvGrpSpPr>
-      <p:grpSpPr>
-        <a:xfrm>
-          <a:off x="0" y="0"/>
-          <a:ext cx="0" cy="0"/>
-          <a:chOff x="0" y="0"/>
-          <a:chExt cx="0" cy="0"/>
-        </a:xfrm>
-      </p:grpSpPr>
-      <p:sp>
-        <p:nvSpPr>
-          <p:cNvPr id="2" name="Title 1"/>
-          <p:cNvSpPr>
-            <a:spLocks noGrp="1"/>
-          </p:cNvSpPr>
-          <p:nvPr>
-            <p:ph type="title"/>
-          </p:nvPr>
-        </p:nvSpPr>
-        <p:spPr/>
-        <p:txBody>
-          <a:bodyPr/>
-          <a:lstStyle/>
-          <a:p>
-            <a:r>
-              <a:rPr lang="en-US" dirty="0" smtClean="0"/>
-              <a:t>Summary</a:t>
-            </a:r>
-            <a:endParaRPr lang="en-US" dirty="0"/>
-          </a:p>
-        </p:txBody>
-      </p:sp>
-      <p:sp>
-        <p:nvSpPr>
-          <p:cNvPr id="3" name="Content Placeholder 2"/>
-          <p:cNvSpPr>
-            <a:spLocks noGrp="1"/>
-          </p:cNvSpPr>
-          <p:nvPr>
-            <p:ph idx="1"/>
-          </p:nvPr>
-        </p:nvSpPr>
-        <p:spPr/>
-        <p:txBody>
-          <a:bodyPr/>
-          <a:lstStyle/>
-          <a:p>
-            <a:endParaRPr lang="en-US"/>
-          </a:p>
-        </p:txBody>
-      </p:sp>
-    </p:spTree>
-    <p:extLst>
-      <p:ext uri="{BB962C8B-B14F-4D97-AF65-F5344CB8AC3E}">
-        <p14:creationId xmlns:p14="http://schemas.microsoft.com/office/powerpoint/2010/main" val="4082111346"/>
-      </p:ext>
-    </p:extLst>
-  </p:cSld>
-  <p:clrMapOvr>
-    <a:masterClrMapping/>
-  </p:clrMapOvr>
-</p:sld>
-</file>
-
-<file path=ppt/slides/slide2.xml><?xml version="1.0" encoding="utf-8"?>
-<p:sld xmlns:a="http://schemas.openxmlformats.org/drawingml/2006/main" xmlns:r="http://schemas.openxmlformats.org/officeDocument/2006/relationships" xmlns:p="http://schemas.openxmlformats.org/presentationml/2006/main">
-  <p:cSld>
-    <p:spTree>
-      <p:nvGrpSpPr>
-        <p:cNvPr id="1" name=""/>
-        <p:cNvGrpSpPr/>
-        <p:nvPr/>
-      </p:nvGrpSpPr>
-      <p:grpSpPr>
-        <a:xfrm>
-          <a:off x="0" y="0"/>
-          <a:ext cx="0" cy="0"/>
-          <a:chOff x="0" y="0"/>
-          <a:chExt cx="0" cy="0"/>
-        </a:xfrm>
-      </p:grpSpPr>
-      <p:sp>
-        <p:nvSpPr>
-          <p:cNvPr id="2" name="Title 1"/>
-          <p:cNvSpPr>
-            <a:spLocks noGrp="1"/>
-          </p:cNvSpPr>
-          <p:nvPr>
-            <p:ph type="ctrTitle"/>
-          </p:nvPr>
-        </p:nvSpPr>
-        <p:spPr/>
-        <p:txBody>
-          <a:bodyPr/>
-          <a:lstStyle/>
-          <a:p>
-            <a:r>
-              <a:rPr lang="en-US" dirty="0" smtClean="0"/>
               <a:t>Entity Framework</a:t>
             </a:r>
             <a:endParaRPr lang="en-US" dirty="0"/>
@@ -3361,6 +3066,474 @@
 </p:sld>
 </file>
 
+<file path=ppt/slides/slide10.xml><?xml version="1.0" encoding="utf-8"?>
+<p:sld xmlns:a="http://schemas.openxmlformats.org/drawingml/2006/main" xmlns:r="http://schemas.openxmlformats.org/officeDocument/2006/relationships" xmlns:p="http://schemas.openxmlformats.org/presentationml/2006/main">
+  <p:cSld>
+    <p:spTree>
+      <p:nvGrpSpPr>
+        <p:cNvPr id="1" name=""/>
+        <p:cNvGrpSpPr/>
+        <p:nvPr/>
+      </p:nvGrpSpPr>
+      <p:grpSpPr>
+        <a:xfrm>
+          <a:off x="0" y="0"/>
+          <a:ext cx="0" cy="0"/>
+          <a:chOff x="0" y="0"/>
+          <a:chExt cx="0" cy="0"/>
+        </a:xfrm>
+      </p:grpSpPr>
+      <p:sp>
+        <p:nvSpPr>
+          <p:cNvPr id="2" name="Title 1"/>
+          <p:cNvSpPr>
+            <a:spLocks noGrp="1"/>
+          </p:cNvSpPr>
+          <p:nvPr>
+            <p:ph type="title"/>
+          </p:nvPr>
+        </p:nvSpPr>
+        <p:spPr/>
+        <p:txBody>
+          <a:bodyPr/>
+          <a:lstStyle/>
+          <a:p>
+            <a:r>
+              <a:rPr lang="en-US" dirty="0" smtClean="0"/>
+              <a:t>Set the database generation strategy</a:t>
+            </a:r>
+            <a:endParaRPr lang="en-US" dirty="0"/>
+          </a:p>
+        </p:txBody>
+      </p:sp>
+      <p:pic>
+        <p:nvPicPr>
+          <p:cNvPr id="4" name="Picture 3"/>
+          <p:cNvPicPr>
+            <a:picLocks noChangeAspect="1"/>
+          </p:cNvPicPr>
+          <p:nvPr/>
+        </p:nvPicPr>
+        <p:blipFill>
+          <a:blip r:embed="rId2"/>
+          <a:stretch>
+            <a:fillRect/>
+          </a:stretch>
+        </p:blipFill>
+        <p:spPr>
+          <a:xfrm>
+            <a:off x="766178" y="1690689"/>
+            <a:ext cx="3973773" cy="4426172"/>
+          </a:xfrm>
+          <a:prstGeom prst="rect">
+            <a:avLst/>
+          </a:prstGeom>
+        </p:spPr>
+      </p:pic>
+    </p:spTree>
+    <p:extLst>
+      <p:ext uri="{BB962C8B-B14F-4D97-AF65-F5344CB8AC3E}">
+        <p14:creationId xmlns:p14="http://schemas.microsoft.com/office/powerpoint/2010/main" val="3473506666"/>
+      </p:ext>
+    </p:extLst>
+  </p:cSld>
+  <p:clrMapOvr>
+    <a:masterClrMapping/>
+  </p:clrMapOvr>
+</p:sld>
+</file>
+
+<file path=ppt/slides/slide11.xml><?xml version="1.0" encoding="utf-8"?>
+<p:sld xmlns:a="http://schemas.openxmlformats.org/drawingml/2006/main" xmlns:r="http://schemas.openxmlformats.org/officeDocument/2006/relationships" xmlns:p="http://schemas.openxmlformats.org/presentationml/2006/main">
+  <p:cSld>
+    <p:spTree>
+      <p:nvGrpSpPr>
+        <p:cNvPr id="1" name=""/>
+        <p:cNvGrpSpPr/>
+        <p:nvPr/>
+      </p:nvGrpSpPr>
+      <p:grpSpPr>
+        <a:xfrm>
+          <a:off x="0" y="0"/>
+          <a:ext cx="0" cy="0"/>
+          <a:chOff x="0" y="0"/>
+          <a:chExt cx="0" cy="0"/>
+        </a:xfrm>
+      </p:grpSpPr>
+      <p:sp>
+        <p:nvSpPr>
+          <p:cNvPr id="2" name="Title 1"/>
+          <p:cNvSpPr>
+            <a:spLocks noGrp="1"/>
+          </p:cNvSpPr>
+          <p:nvPr>
+            <p:ph type="title"/>
+          </p:nvPr>
+        </p:nvSpPr>
+        <p:spPr/>
+        <p:txBody>
+          <a:bodyPr/>
+          <a:lstStyle/>
+          <a:p>
+            <a:r>
+              <a:rPr lang="en-US" dirty="0" smtClean="0"/>
+              <a:t>Generating the database</a:t>
+            </a:r>
+            <a:endParaRPr lang="en-US" dirty="0"/>
+          </a:p>
+        </p:txBody>
+      </p:sp>
+      <p:sp>
+        <p:nvSpPr>
+          <p:cNvPr id="3" name="Content Placeholder 2"/>
+          <p:cNvSpPr>
+            <a:spLocks noGrp="1"/>
+          </p:cNvSpPr>
+          <p:nvPr>
+            <p:ph idx="1"/>
+          </p:nvPr>
+        </p:nvSpPr>
+        <p:spPr/>
+        <p:txBody>
+          <a:bodyPr/>
+          <a:lstStyle/>
+          <a:p>
+            <a:r>
+              <a:rPr lang="en-US" dirty="0" smtClean="0"/>
+              <a:t>Validate the model</a:t>
+            </a:r>
+          </a:p>
+          <a:p>
+            <a:r>
+              <a:rPr lang="en-US" dirty="0" smtClean="0"/>
+              <a:t>Generate database</a:t>
+            </a:r>
+          </a:p>
+          <a:p>
+            <a:pPr lvl="1"/>
+            <a:r>
+              <a:rPr lang="en-US" dirty="0" smtClean="0"/>
+              <a:t>Does not create DB</a:t>
+            </a:r>
+          </a:p>
+          <a:p>
+            <a:pPr lvl="1"/>
+            <a:r>
+              <a:rPr lang="en-US" dirty="0" smtClean="0"/>
+              <a:t>It creates the SQL to create the </a:t>
+            </a:r>
+            <a:r>
+              <a:rPr lang="en-US" dirty="0" err="1" smtClean="0"/>
+              <a:t>db</a:t>
+            </a:r>
+            <a:endParaRPr lang="en-US" dirty="0" smtClean="0"/>
+          </a:p>
+          <a:p>
+            <a:r>
+              <a:rPr lang="en-US" dirty="0" smtClean="0"/>
+              <a:t>Run the </a:t>
+            </a:r>
+            <a:r>
+              <a:rPr lang="en-US" dirty="0" err="1" smtClean="0"/>
+              <a:t>sql</a:t>
+            </a:r>
+            <a:r>
+              <a:rPr lang="en-US" dirty="0" smtClean="0"/>
+              <a:t> script</a:t>
+            </a:r>
+          </a:p>
+          <a:p>
+            <a:endParaRPr lang="en-US" dirty="0"/>
+          </a:p>
+        </p:txBody>
+      </p:sp>
+    </p:spTree>
+    <p:extLst>
+      <p:ext uri="{BB962C8B-B14F-4D97-AF65-F5344CB8AC3E}">
+        <p14:creationId xmlns:p14="http://schemas.microsoft.com/office/powerpoint/2010/main" val="1108792010"/>
+      </p:ext>
+    </p:extLst>
+  </p:cSld>
+  <p:clrMapOvr>
+    <a:masterClrMapping/>
+  </p:clrMapOvr>
+</p:sld>
+</file>
+
+<file path=ppt/slides/slide12.xml><?xml version="1.0" encoding="utf-8"?>
+<p:sld xmlns:a="http://schemas.openxmlformats.org/drawingml/2006/main" xmlns:r="http://schemas.openxmlformats.org/officeDocument/2006/relationships" xmlns:p="http://schemas.openxmlformats.org/presentationml/2006/main">
+  <p:cSld>
+    <p:spTree>
+      <p:nvGrpSpPr>
+        <p:cNvPr id="1" name=""/>
+        <p:cNvGrpSpPr/>
+        <p:nvPr/>
+      </p:nvGrpSpPr>
+      <p:grpSpPr>
+        <a:xfrm>
+          <a:off x="0" y="0"/>
+          <a:ext cx="0" cy="0"/>
+          <a:chOff x="0" y="0"/>
+          <a:chExt cx="0" cy="0"/>
+        </a:xfrm>
+      </p:grpSpPr>
+      <p:sp>
+        <p:nvSpPr>
+          <p:cNvPr id="2" name="Title 1"/>
+          <p:cNvSpPr>
+            <a:spLocks noGrp="1"/>
+          </p:cNvSpPr>
+          <p:nvPr>
+            <p:ph type="title"/>
+          </p:nvPr>
+        </p:nvSpPr>
+        <p:spPr/>
+        <p:txBody>
+          <a:bodyPr/>
+          <a:lstStyle/>
+          <a:p>
+            <a:r>
+              <a:rPr lang="en-US" dirty="0" smtClean="0"/>
+              <a:t>When the model changes</a:t>
+            </a:r>
+            <a:endParaRPr lang="en-US" dirty="0"/>
+          </a:p>
+        </p:txBody>
+      </p:sp>
+      <p:sp>
+        <p:nvSpPr>
+          <p:cNvPr id="3" name="Content Placeholder 2"/>
+          <p:cNvSpPr>
+            <a:spLocks noGrp="1"/>
+          </p:cNvSpPr>
+          <p:nvPr>
+            <p:ph idx="1"/>
+          </p:nvPr>
+        </p:nvSpPr>
+        <p:spPr/>
+        <p:txBody>
+          <a:bodyPr/>
+          <a:lstStyle/>
+          <a:p>
+            <a:r>
+              <a:rPr lang="en-US" dirty="0" smtClean="0"/>
+              <a:t>Model first…. Everything is dropped</a:t>
+            </a:r>
+          </a:p>
+          <a:p>
+            <a:r>
+              <a:rPr lang="en-US" dirty="0" smtClean="0"/>
+              <a:t>Db changed, update model from </a:t>
+            </a:r>
+            <a:r>
+              <a:rPr lang="en-US" dirty="0" err="1" smtClean="0"/>
+              <a:t>db</a:t>
+            </a:r>
+            <a:endParaRPr lang="en-US" dirty="0" smtClean="0"/>
+          </a:p>
+          <a:p>
+            <a:pPr lvl="1"/>
+            <a:r>
+              <a:rPr lang="en-US" dirty="0" smtClean="0"/>
+              <a:t>Essentially you now </a:t>
+            </a:r>
+            <a:r>
+              <a:rPr lang="en-US" dirty="0" smtClean="0"/>
+              <a:t>change to </a:t>
+            </a:r>
+            <a:r>
+              <a:rPr lang="en-US" dirty="0" err="1" smtClean="0"/>
+              <a:t>db</a:t>
+            </a:r>
+            <a:r>
+              <a:rPr lang="en-US" dirty="0" smtClean="0"/>
+              <a:t> first </a:t>
+            </a:r>
+            <a:endParaRPr lang="en-US" dirty="0"/>
+          </a:p>
+        </p:txBody>
+      </p:sp>
+    </p:spTree>
+    <p:extLst>
+      <p:ext uri="{BB962C8B-B14F-4D97-AF65-F5344CB8AC3E}">
+        <p14:creationId xmlns:p14="http://schemas.microsoft.com/office/powerpoint/2010/main" val="3195297478"/>
+      </p:ext>
+    </p:extLst>
+  </p:cSld>
+  <p:clrMapOvr>
+    <a:masterClrMapping/>
+  </p:clrMapOvr>
+</p:sld>
+</file>
+
+<file path=ppt/slides/slide13.xml><?xml version="1.0" encoding="utf-8"?>
+<p:sld xmlns:a="http://schemas.openxmlformats.org/drawingml/2006/main" xmlns:r="http://schemas.openxmlformats.org/officeDocument/2006/relationships" xmlns:p="http://schemas.openxmlformats.org/presentationml/2006/main">
+  <p:cSld>
+    <p:spTree>
+      <p:nvGrpSpPr>
+        <p:cNvPr id="1" name=""/>
+        <p:cNvGrpSpPr/>
+        <p:nvPr/>
+      </p:nvGrpSpPr>
+      <p:grpSpPr>
+        <a:xfrm>
+          <a:off x="0" y="0"/>
+          <a:ext cx="0" cy="0"/>
+          <a:chOff x="0" y="0"/>
+          <a:chExt cx="0" cy="0"/>
+        </a:xfrm>
+      </p:grpSpPr>
+      <p:sp>
+        <p:nvSpPr>
+          <p:cNvPr id="2" name="Title 1"/>
+          <p:cNvSpPr>
+            <a:spLocks noGrp="1"/>
+          </p:cNvSpPr>
+          <p:nvPr>
+            <p:ph type="title"/>
+          </p:nvPr>
+        </p:nvSpPr>
+        <p:spPr/>
+        <p:txBody>
+          <a:bodyPr/>
+          <a:lstStyle/>
+          <a:p>
+            <a:r>
+              <a:rPr lang="en-US" dirty="0" smtClean="0"/>
+              <a:t>Summary</a:t>
+            </a:r>
+            <a:endParaRPr lang="en-US" dirty="0"/>
+          </a:p>
+        </p:txBody>
+      </p:sp>
+      <p:sp>
+        <p:nvSpPr>
+          <p:cNvPr id="3" name="Content Placeholder 2"/>
+          <p:cNvSpPr>
+            <a:spLocks noGrp="1"/>
+          </p:cNvSpPr>
+          <p:nvPr>
+            <p:ph idx="1"/>
+          </p:nvPr>
+        </p:nvSpPr>
+        <p:spPr/>
+        <p:txBody>
+          <a:bodyPr/>
+          <a:lstStyle/>
+          <a:p>
+            <a:r>
+              <a:rPr lang="en-US" dirty="0" smtClean="0"/>
+              <a:t>Model first is neat</a:t>
+            </a:r>
+          </a:p>
+          <a:p>
+            <a:r>
+              <a:rPr lang="en-US" dirty="0" smtClean="0"/>
+              <a:t>One of the most requested features in EF</a:t>
+            </a:r>
+          </a:p>
+          <a:p>
+            <a:r>
+              <a:rPr lang="en-US" dirty="0" smtClean="0"/>
+              <a:t>But if you change and existing model you ar</a:t>
+            </a:r>
+            <a:r>
+              <a:rPr lang="en-US" dirty="0" smtClean="0"/>
+              <a:t>e now dropping the whole database, and a database change makes you go to database first</a:t>
+            </a:r>
+            <a:endParaRPr lang="en-US" dirty="0"/>
+          </a:p>
+        </p:txBody>
+      </p:sp>
+    </p:spTree>
+    <p:extLst>
+      <p:ext uri="{BB962C8B-B14F-4D97-AF65-F5344CB8AC3E}">
+        <p14:creationId xmlns:p14="http://schemas.microsoft.com/office/powerpoint/2010/main" val="4082111346"/>
+      </p:ext>
+    </p:extLst>
+  </p:cSld>
+  <p:clrMapOvr>
+    <a:masterClrMapping/>
+  </p:clrMapOvr>
+</p:sld>
+</file>
+
+<file path=ppt/slides/slide2.xml><?xml version="1.0" encoding="utf-8"?>
+<p:sld xmlns:a="http://schemas.openxmlformats.org/drawingml/2006/main" xmlns:r="http://schemas.openxmlformats.org/officeDocument/2006/relationships" xmlns:p="http://schemas.openxmlformats.org/presentationml/2006/main">
+  <p:cSld>
+    <p:spTree>
+      <p:nvGrpSpPr>
+        <p:cNvPr id="1" name=""/>
+        <p:cNvGrpSpPr/>
+        <p:nvPr/>
+      </p:nvGrpSpPr>
+      <p:grpSpPr>
+        <a:xfrm>
+          <a:off x="0" y="0"/>
+          <a:ext cx="0" cy="0"/>
+          <a:chOff x="0" y="0"/>
+          <a:chExt cx="0" cy="0"/>
+        </a:xfrm>
+      </p:grpSpPr>
+      <p:sp>
+        <p:nvSpPr>
+          <p:cNvPr id="2" name="Title 1"/>
+          <p:cNvSpPr>
+            <a:spLocks noGrp="1"/>
+          </p:cNvSpPr>
+          <p:nvPr>
+            <p:ph type="title"/>
+          </p:nvPr>
+        </p:nvSpPr>
+        <p:spPr/>
+        <p:txBody>
+          <a:bodyPr/>
+          <a:lstStyle/>
+          <a:p>
+            <a:r>
+              <a:rPr lang="en-US" dirty="0" smtClean="0"/>
+              <a:t>Overview</a:t>
+            </a:r>
+            <a:endParaRPr lang="en-US" dirty="0"/>
+          </a:p>
+        </p:txBody>
+      </p:sp>
+      <p:sp>
+        <p:nvSpPr>
+          <p:cNvPr id="3" name="Content Placeholder 2"/>
+          <p:cNvSpPr>
+            <a:spLocks noGrp="1"/>
+          </p:cNvSpPr>
+          <p:nvPr>
+            <p:ph idx="1"/>
+          </p:nvPr>
+        </p:nvSpPr>
+        <p:spPr/>
+        <p:txBody>
+          <a:bodyPr/>
+          <a:lstStyle/>
+          <a:p>
+            <a:r>
+              <a:rPr lang="en-US" dirty="0" smtClean="0"/>
+              <a:t>Just some quick comments on the process</a:t>
+            </a:r>
+            <a:endParaRPr lang="en-US" dirty="0"/>
+          </a:p>
+        </p:txBody>
+      </p:sp>
+    </p:spTree>
+    <p:extLst>
+      <p:ext uri="{BB962C8B-B14F-4D97-AF65-F5344CB8AC3E}">
+        <p14:creationId xmlns:p14="http://schemas.microsoft.com/office/powerpoint/2010/main" val="2028618971"/>
+      </p:ext>
+    </p:extLst>
+  </p:cSld>
+  <p:clrMapOvr>
+    <a:masterClrMapping/>
+  </p:clrMapOvr>
+</p:sld>
+</file>
+
 <file path=ppt/slides/slide3.xml><?xml version="1.0" encoding="utf-8"?>
 <p:sld xmlns:a="http://schemas.openxmlformats.org/drawingml/2006/main" xmlns:r="http://schemas.openxmlformats.org/officeDocument/2006/relationships" xmlns:p="http://schemas.openxmlformats.org/presentationml/2006/main">
   <p:cSld>
@@ -3424,40 +3597,35 @@
           <a:p>
             <a:r>
               <a:rPr lang="en-US" dirty="0" smtClean="0"/>
-              <a:t>Add a data item ado.net entity</a:t>
-            </a:r>
-          </a:p>
-          <a:p>
+              <a:t>Add a data item ado.net </a:t>
+            </a:r>
             <a:r>
               <a:rPr lang="en-US" dirty="0" smtClean="0"/>
-              <a:t>Add entity with context menu</a:t>
-            </a:r>
-          </a:p>
-          <a:p>
-            <a:pPr lvl="1"/>
+              <a:t>entity model</a:t>
+            </a:r>
+            <a:endParaRPr lang="en-US" dirty="0" smtClean="0"/>
+          </a:p>
+          <a:p>
             <a:r>
               <a:rPr lang="en-US" dirty="0" smtClean="0"/>
-              <a:t>Name</a:t>
-            </a:r>
-          </a:p>
-          <a:p>
-            <a:pPr lvl="1"/>
+              <a:t>On the designer, define your model</a:t>
+            </a:r>
+          </a:p>
+          <a:p>
             <a:r>
               <a:rPr lang="en-US" dirty="0" smtClean="0"/>
-              <a:t>Key</a:t>
-            </a:r>
-          </a:p>
-          <a:p>
-            <a:r>
-              <a:rPr lang="en-US" dirty="0" err="1" smtClean="0"/>
-              <a:t>StoreGeneratedPattern</a:t>
+              <a:t>Set the generation model</a:t>
             </a:r>
             <a:endParaRPr lang="en-US" dirty="0" smtClean="0"/>
           </a:p>
           <a:p>
             <a:r>
               <a:rPr lang="en-US" dirty="0" smtClean="0"/>
-              <a:t>Saving generates the model</a:t>
+              <a:t>Saving </a:t>
+            </a:r>
+            <a:r>
+              <a:rPr lang="en-US" dirty="0" smtClean="0"/>
+              <a:t>generates the model</a:t>
             </a:r>
             <a:endParaRPr lang="en-US" dirty="0"/>
           </a:p>
@@ -3510,7 +3678,7 @@
           <a:p>
             <a:r>
               <a:rPr lang="en-US" dirty="0" smtClean="0"/>
-              <a:t>Default values</a:t>
+              <a:t>Quick walkthrough in pictures…</a:t>
             </a:r>
             <a:endParaRPr lang="en-US" dirty="0"/>
           </a:p>
@@ -3531,20 +3699,14 @@
           <a:bodyPr/>
           <a:lstStyle/>
           <a:p>
-            <a:r>
-              <a:rPr lang="en-US" dirty="0" smtClean="0"/>
-              <a:t>Create order and customer entities</a:t>
-            </a:r>
-          </a:p>
-          <a:p>
-            <a:endParaRPr lang="en-US" dirty="0"/>
+            <a:endParaRPr lang="en-US"/>
           </a:p>
         </p:txBody>
       </p:sp>
     </p:spTree>
     <p:extLst>
       <p:ext uri="{BB962C8B-B14F-4D97-AF65-F5344CB8AC3E}">
-        <p14:creationId xmlns:p14="http://schemas.microsoft.com/office/powerpoint/2010/main" val="4251436738"/>
+        <p14:creationId xmlns:p14="http://schemas.microsoft.com/office/powerpoint/2010/main" val="3282779178"/>
       </p:ext>
     </p:extLst>
   </p:cSld>
@@ -3588,56 +3750,40 @@
           <a:p>
             <a:r>
               <a:rPr lang="en-US" dirty="0" smtClean="0"/>
-              <a:t>Creating associations</a:t>
+              <a:t>Create the model item</a:t>
             </a:r>
             <a:endParaRPr lang="en-US" dirty="0"/>
           </a:p>
         </p:txBody>
       </p:sp>
-      <p:sp>
-        <p:nvSpPr>
-          <p:cNvPr id="3" name="Content Placeholder 2"/>
-          <p:cNvSpPr>
-            <a:spLocks noGrp="1"/>
-          </p:cNvSpPr>
-          <p:nvPr>
-            <p:ph idx="1"/>
-          </p:nvPr>
-        </p:nvSpPr>
-        <p:spPr/>
-        <p:txBody>
-          <a:bodyPr/>
-          <a:lstStyle/>
-          <a:p>
-            <a:r>
-              <a:rPr lang="en-US" dirty="0" smtClean="0"/>
-              <a:t>1:m</a:t>
-            </a:r>
-          </a:p>
-          <a:p>
-            <a:r>
-              <a:rPr lang="en-US" dirty="0" smtClean="0"/>
-              <a:t>Use toolbox or wizard</a:t>
-            </a:r>
-          </a:p>
-          <a:p>
-            <a:r>
-              <a:rPr lang="en-US" dirty="0" smtClean="0"/>
-              <a:t>Referential constraints</a:t>
-            </a:r>
-          </a:p>
-          <a:p>
-            <a:endParaRPr lang="en-US" dirty="0" smtClean="0"/>
-          </a:p>
-          <a:p>
-            <a:endParaRPr lang="en-US" dirty="0"/>
-          </a:p>
-        </p:txBody>
-      </p:sp>
+      <p:pic>
+        <p:nvPicPr>
+          <p:cNvPr id="4" name="Picture 3"/>
+          <p:cNvPicPr>
+            <a:picLocks noChangeAspect="1"/>
+          </p:cNvPicPr>
+          <p:nvPr/>
+        </p:nvPicPr>
+        <p:blipFill>
+          <a:blip r:embed="rId2"/>
+          <a:stretch>
+            <a:fillRect/>
+          </a:stretch>
+        </p:blipFill>
+        <p:spPr>
+          <a:xfrm>
+            <a:off x="733425" y="1526332"/>
+            <a:ext cx="6133906" cy="4261771"/>
+          </a:xfrm>
+          <a:prstGeom prst="rect">
+            <a:avLst/>
+          </a:prstGeom>
+        </p:spPr>
+      </p:pic>
     </p:spTree>
     <p:extLst>
       <p:ext uri="{BB962C8B-B14F-4D97-AF65-F5344CB8AC3E}">
-        <p14:creationId xmlns:p14="http://schemas.microsoft.com/office/powerpoint/2010/main" val="3637728589"/>
+        <p14:creationId xmlns:p14="http://schemas.microsoft.com/office/powerpoint/2010/main" val="3998661450"/>
       </p:ext>
     </p:extLst>
   </p:cSld>
@@ -3681,41 +3827,40 @@
           <a:p>
             <a:r>
               <a:rPr lang="en-US" dirty="0" smtClean="0"/>
-              <a:t>M:M</a:t>
+              <a:t>Run the wizard</a:t>
             </a:r>
             <a:endParaRPr lang="en-US" dirty="0"/>
           </a:p>
         </p:txBody>
       </p:sp>
-      <p:sp>
-        <p:nvSpPr>
-          <p:cNvPr id="3" name="Content Placeholder 2"/>
-          <p:cNvSpPr>
-            <a:spLocks noGrp="1"/>
-          </p:cNvSpPr>
-          <p:nvPr>
-            <p:ph idx="1"/>
-          </p:nvPr>
-        </p:nvSpPr>
-        <p:spPr/>
-        <p:txBody>
-          <a:bodyPr/>
-          <a:lstStyle/>
-          <a:p>
-            <a:r>
-              <a:rPr lang="en-US" dirty="0" smtClean="0"/>
-              <a:t>Creates a join table in the DB but not in the model</a:t>
-            </a:r>
-          </a:p>
-          <a:p>
-            <a:endParaRPr lang="en-US" dirty="0"/>
-          </a:p>
-        </p:txBody>
-      </p:sp>
+      <p:pic>
+        <p:nvPicPr>
+          <p:cNvPr id="6" name="Picture 5"/>
+          <p:cNvPicPr>
+            <a:picLocks noChangeAspect="1"/>
+          </p:cNvPicPr>
+          <p:nvPr/>
+        </p:nvPicPr>
+        <p:blipFill>
+          <a:blip r:embed="rId2"/>
+          <a:stretch>
+            <a:fillRect/>
+          </a:stretch>
+        </p:blipFill>
+        <p:spPr>
+          <a:xfrm>
+            <a:off x="721373" y="1469863"/>
+            <a:ext cx="5389926" cy="3988545"/>
+          </a:xfrm>
+          <a:prstGeom prst="rect">
+            <a:avLst/>
+          </a:prstGeom>
+        </p:spPr>
+      </p:pic>
     </p:spTree>
     <p:extLst>
       <p:ext uri="{BB962C8B-B14F-4D97-AF65-F5344CB8AC3E}">
-        <p14:creationId xmlns:p14="http://schemas.microsoft.com/office/powerpoint/2010/main" val="4184549912"/>
+        <p14:creationId xmlns:p14="http://schemas.microsoft.com/office/powerpoint/2010/main" val="3904001623"/>
       </p:ext>
     </p:extLst>
   </p:cSld>
@@ -3759,47 +3904,40 @@
           <a:p>
             <a:r>
               <a:rPr lang="en-US" dirty="0" smtClean="0"/>
-              <a:t>Entity Container Properties</a:t>
+              <a:t>Add Entities</a:t>
             </a:r>
             <a:endParaRPr lang="en-US" dirty="0"/>
           </a:p>
         </p:txBody>
       </p:sp>
-      <p:sp>
-        <p:nvSpPr>
-          <p:cNvPr id="3" name="Content Placeholder 2"/>
-          <p:cNvSpPr>
-            <a:spLocks noGrp="1"/>
-          </p:cNvSpPr>
-          <p:nvPr>
-            <p:ph idx="1"/>
-          </p:nvPr>
-        </p:nvSpPr>
-        <p:spPr/>
-        <p:txBody>
-          <a:bodyPr/>
-          <a:lstStyle/>
-          <a:p>
-            <a:r>
-              <a:rPr lang="en-US" dirty="0" smtClean="0"/>
-              <a:t>Click on diagram background / properties</a:t>
-            </a:r>
-          </a:p>
-          <a:p>
-            <a:r>
-              <a:rPr lang="en-US" dirty="0" smtClean="0"/>
-              <a:t>Table per type is default strategy</a:t>
-            </a:r>
-          </a:p>
-          <a:p>
-            <a:endParaRPr lang="en-US" dirty="0"/>
-          </a:p>
-        </p:txBody>
-      </p:sp>
+      <p:pic>
+        <p:nvPicPr>
+          <p:cNvPr id="18" name="Picture 17"/>
+          <p:cNvPicPr>
+            <a:picLocks noChangeAspect="1"/>
+          </p:cNvPicPr>
+          <p:nvPr/>
+        </p:nvPicPr>
+        <p:blipFill>
+          <a:blip r:embed="rId2"/>
+          <a:stretch>
+            <a:fillRect/>
+          </a:stretch>
+        </p:blipFill>
+        <p:spPr>
+          <a:xfrm>
+            <a:off x="628650" y="1598450"/>
+            <a:ext cx="4733925" cy="2000250"/>
+          </a:xfrm>
+          <a:prstGeom prst="rect">
+            <a:avLst/>
+          </a:prstGeom>
+        </p:spPr>
+      </p:pic>
     </p:spTree>
     <p:extLst>
       <p:ext uri="{BB962C8B-B14F-4D97-AF65-F5344CB8AC3E}">
-        <p14:creationId xmlns:p14="http://schemas.microsoft.com/office/powerpoint/2010/main" val="1292295340"/>
+        <p14:creationId xmlns:p14="http://schemas.microsoft.com/office/powerpoint/2010/main" val="3534476022"/>
       </p:ext>
     </p:extLst>
   </p:cSld>
@@ -3843,80 +3981,40 @@
           <a:p>
             <a:r>
               <a:rPr lang="en-US" dirty="0" smtClean="0"/>
-              <a:t>Generating the database</a:t>
+              <a:t>Define associations</a:t>
             </a:r>
             <a:endParaRPr lang="en-US" dirty="0"/>
           </a:p>
         </p:txBody>
       </p:sp>
-      <p:sp>
-        <p:nvSpPr>
-          <p:cNvPr id="3" name="Content Placeholder 2"/>
-          <p:cNvSpPr>
-            <a:spLocks noGrp="1"/>
-          </p:cNvSpPr>
-          <p:nvPr>
-            <p:ph idx="1"/>
-          </p:nvPr>
-        </p:nvSpPr>
-        <p:spPr/>
-        <p:txBody>
-          <a:bodyPr/>
-          <a:lstStyle/>
-          <a:p>
-            <a:r>
-              <a:rPr lang="en-US" dirty="0" smtClean="0"/>
-              <a:t>Validate the model</a:t>
-            </a:r>
-          </a:p>
-          <a:p>
-            <a:r>
-              <a:rPr lang="en-US" dirty="0" smtClean="0"/>
-              <a:t>Generate database</a:t>
-            </a:r>
-          </a:p>
-          <a:p>
-            <a:pPr lvl="1"/>
-            <a:r>
-              <a:rPr lang="en-US" dirty="0" smtClean="0"/>
-              <a:t>Does not create DB</a:t>
-            </a:r>
-          </a:p>
-          <a:p>
-            <a:pPr lvl="1"/>
-            <a:r>
-              <a:rPr lang="en-US" dirty="0" smtClean="0"/>
-              <a:t>It creates the SQL to create the </a:t>
-            </a:r>
-            <a:r>
-              <a:rPr lang="en-US" dirty="0" err="1" smtClean="0"/>
-              <a:t>db</a:t>
-            </a:r>
-            <a:endParaRPr lang="en-US" dirty="0" smtClean="0"/>
-          </a:p>
-          <a:p>
-            <a:r>
-              <a:rPr lang="en-US" dirty="0" smtClean="0"/>
-              <a:t>Run the </a:t>
-            </a:r>
-            <a:r>
-              <a:rPr lang="en-US" dirty="0" err="1" smtClean="0"/>
-              <a:t>sql</a:t>
-            </a:r>
-            <a:r>
-              <a:rPr lang="en-US" dirty="0" smtClean="0"/>
-              <a:t> script</a:t>
-            </a:r>
-          </a:p>
-          <a:p>
-            <a:endParaRPr lang="en-US" dirty="0"/>
-          </a:p>
-        </p:txBody>
-      </p:sp>
+      <p:pic>
+        <p:nvPicPr>
+          <p:cNvPr id="4" name="Picture 3"/>
+          <p:cNvPicPr>
+            <a:picLocks noChangeAspect="1"/>
+          </p:cNvPicPr>
+          <p:nvPr/>
+        </p:nvPicPr>
+        <p:blipFill>
+          <a:blip r:embed="rId2"/>
+          <a:stretch>
+            <a:fillRect/>
+          </a:stretch>
+        </p:blipFill>
+        <p:spPr>
+          <a:xfrm>
+            <a:off x="761223" y="1503881"/>
+            <a:ext cx="4249316" cy="4754570"/>
+          </a:xfrm>
+          <a:prstGeom prst="rect">
+            <a:avLst/>
+          </a:prstGeom>
+        </p:spPr>
+      </p:pic>
     </p:spTree>
     <p:extLst>
       <p:ext uri="{BB962C8B-B14F-4D97-AF65-F5344CB8AC3E}">
-        <p14:creationId xmlns:p14="http://schemas.microsoft.com/office/powerpoint/2010/main" val="1108792010"/>
+        <p14:creationId xmlns:p14="http://schemas.microsoft.com/office/powerpoint/2010/main" val="1409972617"/>
       </p:ext>
     </p:extLst>
   </p:cSld>
@@ -3960,65 +4058,40 @@
           <a:p>
             <a:r>
               <a:rPr lang="en-US" dirty="0" smtClean="0"/>
-              <a:t>When the model changes</a:t>
+              <a:t>Add the rest of the properties</a:t>
             </a:r>
             <a:endParaRPr lang="en-US" dirty="0"/>
           </a:p>
         </p:txBody>
       </p:sp>
-      <p:sp>
-        <p:nvSpPr>
-          <p:cNvPr id="3" name="Content Placeholder 2"/>
-          <p:cNvSpPr>
-            <a:spLocks noGrp="1"/>
-          </p:cNvSpPr>
-          <p:nvPr>
-            <p:ph idx="1"/>
-          </p:nvPr>
-        </p:nvSpPr>
-        <p:spPr/>
-        <p:txBody>
-          <a:bodyPr/>
-          <a:lstStyle/>
-          <a:p>
-            <a:r>
-              <a:rPr lang="en-US" dirty="0" smtClean="0"/>
-              <a:t>Model first…. Everything is dropped</a:t>
-            </a:r>
-          </a:p>
-          <a:p>
-            <a:r>
-              <a:rPr lang="en-US" dirty="0" smtClean="0"/>
-              <a:t>Db changed, update model from </a:t>
-            </a:r>
-            <a:r>
-              <a:rPr lang="en-US" dirty="0" err="1" smtClean="0"/>
-              <a:t>db</a:t>
-            </a:r>
-            <a:endParaRPr lang="en-US" dirty="0" smtClean="0"/>
-          </a:p>
-          <a:p>
-            <a:pPr lvl="1"/>
-            <a:r>
-              <a:rPr lang="en-US" dirty="0" smtClean="0"/>
-              <a:t>Essential change to </a:t>
-            </a:r>
-            <a:r>
-              <a:rPr lang="en-US" dirty="0" err="1" smtClean="0"/>
-              <a:t>db</a:t>
-            </a:r>
-            <a:r>
-              <a:rPr lang="en-US" smtClean="0"/>
-              <a:t> first </a:t>
-            </a:r>
-            <a:endParaRPr lang="en-US" dirty="0"/>
-          </a:p>
-        </p:txBody>
-      </p:sp>
+      <p:pic>
+        <p:nvPicPr>
+          <p:cNvPr id="4" name="Picture 3"/>
+          <p:cNvPicPr>
+            <a:picLocks noChangeAspect="1"/>
+          </p:cNvPicPr>
+          <p:nvPr/>
+        </p:nvPicPr>
+        <p:blipFill>
+          <a:blip r:embed="rId2"/>
+          <a:stretch>
+            <a:fillRect/>
+          </a:stretch>
+        </p:blipFill>
+        <p:spPr>
+          <a:xfrm>
+            <a:off x="767054" y="1849405"/>
+            <a:ext cx="3467100" cy="2095500"/>
+          </a:xfrm>
+          <a:prstGeom prst="rect">
+            <a:avLst/>
+          </a:prstGeom>
+        </p:spPr>
+      </p:pic>
     </p:spTree>
     <p:extLst>
       <p:ext uri="{BB962C8B-B14F-4D97-AF65-F5344CB8AC3E}">
-        <p14:creationId xmlns:p14="http://schemas.microsoft.com/office/powerpoint/2010/main" val="3195297478"/>
+        <p14:creationId xmlns:p14="http://schemas.microsoft.com/office/powerpoint/2010/main" val="3590976995"/>
       </p:ext>
     </p:extLst>
   </p:cSld>
